--- a/Collaterals/IntelMakersCourse - class 5.pptx
+++ b/Collaterals/IntelMakersCourse - class 5.pptx
@@ -6,10 +6,10 @@
     <p:sldMasterId id="2147483691" r:id="rId2"/>
   </p:sldMasterIdLst>
   <p:notesMasterIdLst>
-    <p:notesMasterId r:id="rId13"/>
+    <p:notesMasterId r:id="rId14"/>
   </p:notesMasterIdLst>
   <p:handoutMasterIdLst>
-    <p:handoutMasterId r:id="rId14"/>
+    <p:handoutMasterId r:id="rId15"/>
   </p:handoutMasterIdLst>
   <p:sldIdLst>
     <p:sldId id="318" r:id="rId3"/>
@@ -21,7 +21,8 @@
     <p:sldId id="371" r:id="rId9"/>
     <p:sldId id="374" r:id="rId10"/>
     <p:sldId id="375" r:id="rId11"/>
-    <p:sldId id="294" r:id="rId12"/>
+    <p:sldId id="376" r:id="rId12"/>
+    <p:sldId id="294" r:id="rId13"/>
   </p:sldIdLst>
   <p:sldSz cx="9144000" cy="5143500" type="screen16x9"/>
   <p:notesSz cx="6858000" cy="9144000"/>
@@ -4182,7 +4183,7 @@
                 <a:latin typeface="Intel Clear"/>
               </a:rPr>
               <a:pPr/>
-              <a:t>10/6/2024</a:t>
+              <a:t>10/7/2024</a:t>
             </a:fld>
             <a:endParaRPr lang="en-US" dirty="0">
               <a:latin typeface="Intel Clear"/>
@@ -4362,7 +4363,7 @@
             <a:fld id="{ED7FC5FE-6F0D-D34A-8EE6-C95B4F5F4DC8}" type="datetimeFigureOut">
               <a:rPr lang="en-US" smtClean="0"/>
               <a:pPr/>
-              <a:t>10/6/2024</a:t>
+              <a:t>10/7/2024</a:t>
             </a:fld>
             <a:endParaRPr lang="en-US" dirty="0"/>
           </a:p>
@@ -16137,6 +16138,168 @@
 </file>
 
 <file path=ppt/slides/slide10.xml><?xml version="1.0" encoding="utf-8"?>
+<p:sld xmlns:a="http://schemas.openxmlformats.org/drawingml/2006/main" xmlns:r="http://schemas.openxmlformats.org/officeDocument/2006/relationships" xmlns:p="http://schemas.openxmlformats.org/presentationml/2006/main">
+  <p:cSld>
+    <p:spTree>
+      <p:nvGrpSpPr>
+        <p:cNvPr id="1" name=""/>
+        <p:cNvGrpSpPr/>
+        <p:nvPr/>
+      </p:nvGrpSpPr>
+      <p:grpSpPr>
+        <a:xfrm>
+          <a:off x="0" y="0"/>
+          <a:ext cx="0" cy="0"/>
+          <a:chOff x="0" y="0"/>
+          <a:chExt cx="0" cy="0"/>
+        </a:xfrm>
+      </p:grpSpPr>
+      <p:sp>
+        <p:nvSpPr>
+          <p:cNvPr id="2" name="Slide Number Placeholder 1">
+            <a:extLst>
+              <a:ext uri="{FF2B5EF4-FFF2-40B4-BE49-F238E27FC236}">
+                <a16:creationId xmlns:a16="http://schemas.microsoft.com/office/drawing/2014/main" id="{6B4CB817-E8E2-C5AF-8E3D-60741DE934AB}"/>
+              </a:ext>
+            </a:extLst>
+          </p:cNvPr>
+          <p:cNvSpPr>
+            <a:spLocks noGrp="1"/>
+          </p:cNvSpPr>
+          <p:nvPr>
+            <p:ph type="sldNum" sz="quarter" idx="12"/>
+          </p:nvPr>
+        </p:nvSpPr>
+        <p:spPr/>
+        <p:txBody>
+          <a:bodyPr/>
+          <a:lstStyle/>
+          <a:p>
+            <a:fld id="{EE2556C5-CE8C-6547-B838-EA80C61A4AF7}" type="slidenum">
+              <a:rPr lang="en-US" smtClean="0"/>
+              <a:pPr/>
+              <a:t>10</a:t>
+            </a:fld>
+            <a:endParaRPr lang="en-US" dirty="0"/>
+          </a:p>
+        </p:txBody>
+      </p:sp>
+      <p:pic>
+        <p:nvPicPr>
+          <p:cNvPr id="6" name="Picture 5">
+            <a:extLst>
+              <a:ext uri="{FF2B5EF4-FFF2-40B4-BE49-F238E27FC236}">
+                <a16:creationId xmlns:a16="http://schemas.microsoft.com/office/drawing/2014/main" id="{06BD396C-38F9-4627-1BC7-F4ECDA706E1F}"/>
+              </a:ext>
+            </a:extLst>
+          </p:cNvPr>
+          <p:cNvPicPr>
+            <a:picLocks noChangeAspect="1"/>
+          </p:cNvPicPr>
+          <p:nvPr/>
+        </p:nvPicPr>
+        <p:blipFill>
+          <a:blip r:embed="rId2"/>
+          <a:stretch>
+            <a:fillRect/>
+          </a:stretch>
+        </p:blipFill>
+        <p:spPr>
+          <a:xfrm>
+            <a:off x="218731" y="145571"/>
+            <a:ext cx="2731859" cy="1506885"/>
+          </a:xfrm>
+          <a:prstGeom prst="rect">
+            <a:avLst/>
+          </a:prstGeom>
+        </p:spPr>
+      </p:pic>
+      <p:pic>
+        <p:nvPicPr>
+          <p:cNvPr id="8" name="Picture 7">
+            <a:extLst>
+              <a:ext uri="{FF2B5EF4-FFF2-40B4-BE49-F238E27FC236}">
+                <a16:creationId xmlns:a16="http://schemas.microsoft.com/office/drawing/2014/main" id="{A562304B-DC8C-301F-FD87-48DE671464E8}"/>
+              </a:ext>
+            </a:extLst>
+          </p:cNvPr>
+          <p:cNvPicPr>
+            <a:picLocks noChangeAspect="1"/>
+          </p:cNvPicPr>
+          <p:nvPr/>
+        </p:nvPicPr>
+        <p:blipFill>
+          <a:blip r:embed="rId3"/>
+          <a:stretch>
+            <a:fillRect/>
+          </a:stretch>
+        </p:blipFill>
+        <p:spPr>
+          <a:xfrm>
+            <a:off x="218731" y="1748671"/>
+            <a:ext cx="2737510" cy="1795807"/>
+          </a:xfrm>
+          <a:prstGeom prst="rect">
+            <a:avLst/>
+          </a:prstGeom>
+        </p:spPr>
+      </p:pic>
+      <p:pic>
+        <p:nvPicPr>
+          <p:cNvPr id="10" name="Picture 9">
+            <a:extLst>
+              <a:ext uri="{FF2B5EF4-FFF2-40B4-BE49-F238E27FC236}">
+                <a16:creationId xmlns:a16="http://schemas.microsoft.com/office/drawing/2014/main" id="{95DD4241-B785-32A4-DF64-C9B332081ED7}"/>
+              </a:ext>
+            </a:extLst>
+          </p:cNvPr>
+          <p:cNvPicPr>
+            <a:picLocks noChangeAspect="1"/>
+          </p:cNvPicPr>
+          <p:nvPr/>
+        </p:nvPicPr>
+        <p:blipFill>
+          <a:blip r:embed="rId4"/>
+          <a:stretch>
+            <a:fillRect/>
+          </a:stretch>
+        </p:blipFill>
+        <p:spPr>
+          <a:xfrm>
+            <a:off x="3180372" y="145571"/>
+            <a:ext cx="2731860" cy="1511029"/>
+          </a:xfrm>
+          <a:prstGeom prst="rect">
+            <a:avLst/>
+          </a:prstGeom>
+        </p:spPr>
+      </p:pic>
+    </p:spTree>
+    <p:extLst>
+      <p:ext uri="{BB962C8B-B14F-4D97-AF65-F5344CB8AC3E}">
+        <p14:creationId xmlns:p14="http://schemas.microsoft.com/office/powerpoint/2010/main" val="3272203106"/>
+      </p:ext>
+    </p:extLst>
+  </p:cSld>
+  <p:clrMapOvr>
+    <a:masterClrMapping/>
+  </p:clrMapOvr>
+  <mc:AlternateContent xmlns:mc="http://schemas.openxmlformats.org/markup-compatibility/2006" xmlns:p14="http://schemas.microsoft.com/office/powerpoint/2010/main">
+    <mc:Choice Requires="p14">
+      <p:transition spd="med" p14:dur="700">
+        <p:fade/>
+      </p:transition>
+    </mc:Choice>
+    <mc:Fallback xmlns="">
+      <p:transition spd="med">
+        <p:fade/>
+      </p:transition>
+    </mc:Fallback>
+  </mc:AlternateContent>
+</p:sld>
+</file>
+
+<file path=ppt/slides/slide11.xml><?xml version="1.0" encoding="utf-8"?>
 <p:sld xmlns:a="http://schemas.openxmlformats.org/drawingml/2006/main" xmlns:r="http://schemas.openxmlformats.org/officeDocument/2006/relationships" xmlns:p="http://schemas.openxmlformats.org/presentationml/2006/main">
   <p:cSld>
     <p:spTree>
@@ -18763,6 +18926,18 @@
               <a:rPr lang="en-US" sz="1200" dirty="0"/>
               <a:t>https://www.aliexpress.com/item/4000345581311.html?spm=a2g0o.productlist.main.3.6691231217t0rO&amp;algo_pvid=165c6838-093a-464a-9470-dfc9e0278303&amp;algo_exp_id=165c6838-093a-464a-9470-dfc9e0278303-1&amp;pdp_npi=4%40dis%21ILS%213.78%213.78%21%21%210.97%210.97%21%40214100f417282002225144118eae29%2110000001423321557%21sea%21IL%21927794949%21X&amp;curPageLogUid=t48T8PzzYZmm&amp;utparam-url=scene%3Asearch%7Cquery_from%3A</a:t>
             </a:r>
+          </a:p>
+          <a:p>
+            <a:r>
+              <a:rPr lang="en-US" sz="1200" dirty="0"/>
+              <a:t>https://www.aliexpress.com/item/1005006691026564.html?spm=a2g0o.productlist.main.43.55a560260V5Mfh&amp;algo_pvid=c907a18b-d068-469c-8d3c-824f516ea48b&amp;algo_exp_id=c907a18b-d068-469c-8d3c-824f516ea48b-21&amp;pdp_npi=4%40dis%21ILS%218.72%215.06%21%21%2115.85%219.19%21%402140e84617282827883172856eccd9%2112000038111586489%21sea%21IL%21927794949%21X&amp;curPageLogUid=1ORCkegBZGMh&amp;utparam-url=scene%3Asearch%7Cquery_from%3A</a:t>
+            </a:r>
+          </a:p>
+          <a:p>
+            <a:endParaRPr lang="en-US" sz="1200" dirty="0"/>
+          </a:p>
+          <a:p>
+            <a:endParaRPr lang="en-US" sz="1200" dirty="0"/>
           </a:p>
           <a:p>
             <a:endParaRPr lang="en-US" sz="1200" dirty="0"/>

--- a/Collaterals/IntelMakersCourse - class 5.pptx
+++ b/Collaterals/IntelMakersCourse - class 5.pptx
@@ -4905,7 +4905,7 @@
           <a:noFill/>
           <a:extLst>
             <a:ext uri="{909E8E84-426E-40dd-AFC4-6F175D3DCCD1}">
-              <a14:hiddenFill xmlns:a14="http://schemas.microsoft.com/office/drawing/2010/main" xmlns="">
+              <a14:hiddenFill xmlns="" xmlns:a14="http://schemas.microsoft.com/office/drawing/2010/main">
                 <a:solidFill>
                   <a:srgbClr val="FFFFFF"/>
                 </a:solidFill>
@@ -7779,7 +7779,7 @@
           <a:noFill/>
           <a:extLst>
             <a:ext uri="{909E8E84-426E-40dd-AFC4-6F175D3DCCD1}">
-              <a14:hiddenFill xmlns:a14="http://schemas.microsoft.com/office/drawing/2010/main" xmlns="">
+              <a14:hiddenFill xmlns="" xmlns:a14="http://schemas.microsoft.com/office/drawing/2010/main">
                 <a:solidFill>
                   <a:srgbClr val="FFFFFF"/>
                 </a:solidFill>
@@ -7948,7 +7948,7 @@
           <a:noFill/>
           <a:extLst>
             <a:ext uri="{909E8E84-426E-40dd-AFC4-6F175D3DCCD1}">
-              <a14:hiddenFill xmlns:a14="http://schemas.microsoft.com/office/drawing/2010/main" xmlns="">
+              <a14:hiddenFill xmlns="" xmlns:a14="http://schemas.microsoft.com/office/drawing/2010/main">
                 <a:solidFill>
                   <a:srgbClr val="FFFFFF"/>
                 </a:solidFill>
@@ -8343,7 +8343,7 @@
           <a:noFill/>
           <a:extLst>
             <a:ext uri="{909E8E84-426E-40dd-AFC4-6F175D3DCCD1}">
-              <a14:hiddenFill xmlns:a14="http://schemas.microsoft.com/office/drawing/2010/main" xmlns="">
+              <a14:hiddenFill xmlns="" xmlns:a14="http://schemas.microsoft.com/office/drawing/2010/main">
                 <a:solidFill>
                   <a:srgbClr val="FFFFFF"/>
                 </a:solidFill>
@@ -8646,7 +8646,7 @@
           <a:noFill/>
           <a:extLst>
             <a:ext uri="{909E8E84-426E-40dd-AFC4-6F175D3DCCD1}">
-              <a14:hiddenFill xmlns:a14="http://schemas.microsoft.com/office/drawing/2010/main" xmlns="">
+              <a14:hiddenFill xmlns="" xmlns:a14="http://schemas.microsoft.com/office/drawing/2010/main">
                 <a:solidFill>
                   <a:srgbClr val="FFFFFF"/>
                 </a:solidFill>
@@ -8982,7 +8982,7 @@
           <a:noFill/>
           <a:extLst>
             <a:ext uri="{909E8E84-426E-40dd-AFC4-6F175D3DCCD1}">
-              <a14:hiddenFill xmlns:a14="http://schemas.microsoft.com/office/drawing/2010/main" xmlns="">
+              <a14:hiddenFill xmlns="" xmlns:a14="http://schemas.microsoft.com/office/drawing/2010/main">
                 <a:solidFill>
                   <a:srgbClr val="FFFFFF"/>
                 </a:solidFill>
@@ -13198,7 +13198,7 @@
           <a:noFill/>
           <a:extLst>
             <a:ext uri="{909E8E84-426E-40dd-AFC4-6F175D3DCCD1}">
-              <a14:hiddenFill xmlns:a14="http://schemas.microsoft.com/office/drawing/2010/main" xmlns="">
+              <a14:hiddenFill xmlns="" xmlns:a14="http://schemas.microsoft.com/office/drawing/2010/main">
                 <a:solidFill>
                   <a:srgbClr val="FFFFFF"/>
                 </a:solidFill>
@@ -13442,7 +13442,7 @@
           <a:noFill/>
           <a:extLst>
             <a:ext uri="{909E8E84-426E-40dd-AFC4-6F175D3DCCD1}">
-              <a14:hiddenFill xmlns:a14="http://schemas.microsoft.com/office/drawing/2010/main" xmlns="">
+              <a14:hiddenFill xmlns="" xmlns:a14="http://schemas.microsoft.com/office/drawing/2010/main">
                 <a:solidFill>
                   <a:srgbClr val="FFFFFF"/>
                 </a:solidFill>
@@ -14867,7 +14867,7 @@
           <a:noFill/>
           <a:extLst>
             <a:ext uri="{909E8E84-426E-40dd-AFC4-6F175D3DCCD1}">
-              <a14:hiddenFill xmlns:a14="http://schemas.microsoft.com/office/drawing/2010/main" xmlns="">
+              <a14:hiddenFill xmlns="" xmlns:a14="http://schemas.microsoft.com/office/drawing/2010/main">
                 <a:solidFill>
                   <a:srgbClr val="FFFFFF"/>
                 </a:solidFill>
@@ -15484,7 +15484,7 @@
           <a:noFill/>
           <a:extLst>
             <a:ext uri="{909E8E84-426E-40dd-AFC4-6F175D3DCCD1}">
-              <a14:hiddenFill xmlns:a14="http://schemas.microsoft.com/office/drawing/2010/main" xmlns="">
+              <a14:hiddenFill xmlns="" xmlns:a14="http://schemas.microsoft.com/office/drawing/2010/main">
                 <a:solidFill>
                   <a:srgbClr val="FFFFFF"/>
                 </a:solidFill>
@@ -16207,7 +16207,7 @@
         <p:spPr>
           <a:xfrm>
             <a:off x="218731" y="145571"/>
-            <a:ext cx="2731859" cy="1506885"/>
+            <a:ext cx="3683965" cy="2032064"/>
           </a:xfrm>
           <a:prstGeom prst="rect">
             <a:avLst/>
@@ -16236,8 +16236,8 @@
         </p:blipFill>
         <p:spPr>
           <a:xfrm>
-            <a:off x="218731" y="1748671"/>
-            <a:ext cx="2737510" cy="1795807"/>
+            <a:off x="213079" y="2281285"/>
+            <a:ext cx="3689617" cy="2420389"/>
           </a:xfrm>
           <a:prstGeom prst="rect">
             <a:avLst/>
@@ -16266,8 +16266,8 @@
         </p:blipFill>
         <p:spPr>
           <a:xfrm>
-            <a:off x="3180372" y="145571"/>
-            <a:ext cx="2731860" cy="1511029"/>
+            <a:off x="4171552" y="93724"/>
+            <a:ext cx="3767600" cy="2083911"/>
           </a:xfrm>
           <a:prstGeom prst="rect">
             <a:avLst/>
